--- a/Scraping Project .pptx
+++ b/Scraping Project .pptx
@@ -405,7 +405,7 @@
           <a:p>
             <a:fld id="{B01F9CA3-105E-4857-9057-6DB6197DA786}" type="datetimeFigureOut">
               <a:rPr lang="en-US" smtClean="0"/>
-              <a:t>8/7/18</a:t>
+              <a:t>8/8/18</a:t>
             </a:fld>
             <a:endParaRPr lang="en-US"/>
           </a:p>
@@ -597,7 +597,7 @@
           <a:p>
             <a:fld id="{B01F9CA3-105E-4857-9057-6DB6197DA786}" type="datetimeFigureOut">
               <a:rPr lang="en-US" smtClean="0"/>
-              <a:t>8/7/18</a:t>
+              <a:t>8/8/18</a:t>
             </a:fld>
             <a:endParaRPr lang="en-US"/>
           </a:p>
@@ -866,7 +866,7 @@
           <a:p>
             <a:fld id="{B01F9CA3-105E-4857-9057-6DB6197DA786}" type="datetimeFigureOut">
               <a:rPr lang="en-US" smtClean="0"/>
-              <a:t>8/7/18</a:t>
+              <a:t>8/8/18</a:t>
             </a:fld>
             <a:endParaRPr lang="en-US"/>
           </a:p>
@@ -1045,7 +1045,7 @@
           <a:p>
             <a:fld id="{B01F9CA3-105E-4857-9057-6DB6197DA786}" type="datetimeFigureOut">
               <a:rPr lang="en-US" smtClean="0"/>
-              <a:t>8/7/18</a:t>
+              <a:t>8/8/18</a:t>
             </a:fld>
             <a:endParaRPr lang="en-US"/>
           </a:p>
@@ -1214,7 +1214,7 @@
           <a:p>
             <a:fld id="{B01F9CA3-105E-4857-9057-6DB6197DA786}" type="datetimeFigureOut">
               <a:rPr lang="en-US" smtClean="0"/>
-              <a:t>8/7/18</a:t>
+              <a:t>8/8/18</a:t>
             </a:fld>
             <a:endParaRPr lang="en-US"/>
           </a:p>
@@ -1456,7 +1456,7 @@
           <a:p>
             <a:fld id="{B01F9CA3-105E-4857-9057-6DB6197DA786}" type="datetimeFigureOut">
               <a:rPr lang="en-US" smtClean="0"/>
-              <a:t>8/7/18</a:t>
+              <a:t>8/8/18</a:t>
             </a:fld>
             <a:endParaRPr lang="en-US"/>
           </a:p>
@@ -1779,7 +1779,7 @@
           <a:p>
             <a:fld id="{B01F9CA3-105E-4857-9057-6DB6197DA786}" type="datetimeFigureOut">
               <a:rPr lang="en-US" smtClean="0"/>
-              <a:t>8/7/18</a:t>
+              <a:t>8/8/18</a:t>
             </a:fld>
             <a:endParaRPr lang="en-US"/>
           </a:p>
@@ -2077,7 +2077,7 @@
           <a:p>
             <a:fld id="{B01F9CA3-105E-4857-9057-6DB6197DA786}" type="datetimeFigureOut">
               <a:rPr lang="en-US" smtClean="0"/>
-              <a:t>8/7/18</a:t>
+              <a:t>8/8/18</a:t>
             </a:fld>
             <a:endParaRPr lang="en-US"/>
           </a:p>
@@ -2533,7 +2533,7 @@
           <a:p>
             <a:fld id="{B01F9CA3-105E-4857-9057-6DB6197DA786}" type="datetimeFigureOut">
               <a:rPr lang="en-US" smtClean="0"/>
-              <a:t>8/7/18</a:t>
+              <a:t>8/8/18</a:t>
             </a:fld>
             <a:endParaRPr lang="en-US"/>
           </a:p>
@@ -2646,7 +2646,7 @@
           <a:p>
             <a:fld id="{B01F9CA3-105E-4857-9057-6DB6197DA786}" type="datetimeFigureOut">
               <a:rPr lang="en-US" smtClean="0"/>
-              <a:t>8/7/18</a:t>
+              <a:t>8/8/18</a:t>
             </a:fld>
             <a:endParaRPr lang="en-US"/>
           </a:p>
@@ -2736,7 +2736,7 @@
           <a:p>
             <a:fld id="{B01F9CA3-105E-4857-9057-6DB6197DA786}" type="datetimeFigureOut">
               <a:rPr lang="en-US" smtClean="0"/>
-              <a:t>8/7/18</a:t>
+              <a:t>8/8/18</a:t>
             </a:fld>
             <a:endParaRPr lang="en-US"/>
           </a:p>
@@ -3018,7 +3018,7 @@
           <a:p>
             <a:fld id="{B01F9CA3-105E-4857-9057-6DB6197DA786}" type="datetimeFigureOut">
               <a:rPr lang="en-US" smtClean="0"/>
-              <a:t>8/7/18</a:t>
+              <a:t>8/8/18</a:t>
             </a:fld>
             <a:endParaRPr lang="en-US"/>
           </a:p>
@@ -3224,7 +3224,7 @@
           <a:p>
             <a:fld id="{B01F9CA3-105E-4857-9057-6DB6197DA786}" type="datetimeFigureOut">
               <a:rPr lang="en-US" smtClean="0"/>
-              <a:t>8/7/18</a:t>
+              <a:t>8/8/18</a:t>
             </a:fld>
             <a:endParaRPr lang="en-US"/>
           </a:p>
@@ -4256,15 +4256,7 @@
             </a:pPr>
             <a:r>
               <a:rPr lang="en-US" dirty="0" smtClean="0"/>
-              <a:t>Average app’s download size in </a:t>
-            </a:r>
-            <a:r>
-              <a:rPr lang="en-US" dirty="0" smtClean="0"/>
-              <a:t>the Google </a:t>
-            </a:r>
-            <a:r>
-              <a:rPr lang="en-US" dirty="0" smtClean="0"/>
-              <a:t>Play Store is 17.3M, with a range between 0.02M and 100M. </a:t>
+              <a:t>Average app’s download size in the Google Play Store is 17.3M, with a range between 0.02M and 100M. </a:t>
             </a:r>
           </a:p>
           <a:p>
@@ -4688,7 +4680,19 @@
             </a:pPr>
             <a:r>
               <a:rPr lang="en-US" dirty="0" smtClean="0"/>
-              <a:t>The majority of app developers build apps only in one category (2,251)</a:t>
+              <a:t>The majority of app developers build apps only </a:t>
+            </a:r>
+            <a:r>
+              <a:rPr lang="en-US" dirty="0" smtClean="0"/>
+              <a:t>for</a:t>
+            </a:r>
+            <a:r>
+              <a:rPr lang="en-US" dirty="0" smtClean="0"/>
+              <a:t> </a:t>
+            </a:r>
+            <a:r>
+              <a:rPr lang="en-US" dirty="0" smtClean="0"/>
+              <a:t>one category (2,251)</a:t>
             </a:r>
           </a:p>
           <a:p>
@@ -4838,15 +4842,7 @@
             </a:pPr>
             <a:r>
               <a:rPr lang="en-US" dirty="0" smtClean="0"/>
-              <a:t>Scraped app title, category, developer name, whether </a:t>
-            </a:r>
-            <a:r>
-              <a:rPr lang="en-US" dirty="0" smtClean="0"/>
-              <a:t>an </a:t>
-            </a:r>
-            <a:r>
-              <a:rPr lang="en-US" dirty="0" smtClean="0"/>
-              <a:t>app contains ads, rating, number of reviews, app size, number of installs, and price. </a:t>
+              <a:t>Scraped app title, category, developer name, whether an app contains ads, rating, number of reviews, app size, number of installs, and price. </a:t>
             </a:r>
           </a:p>
           <a:p>
@@ -5568,11 +5564,7 @@
             </a:pPr>
             <a:r>
               <a:rPr lang="en-US" dirty="0" smtClean="0"/>
-              <a:t>The Google </a:t>
-            </a:r>
-            <a:r>
-              <a:rPr lang="en-US" dirty="0" smtClean="0"/>
-              <a:t>Play offers a wide range of applications, but most of these apps had been downloaded only by a small number of people. 28% of the apps had been downloaded fewer than 100 times and about 74% of the apps had been downloaded fewer than 50K times. </a:t>
+              <a:t>The Google Play offers a wide range of applications, but most of these apps had been downloaded only by a small number of people. 28% of the apps had been downloaded fewer than 100 times and about 74% of the apps had been downloaded fewer than 50K times. </a:t>
             </a:r>
           </a:p>
           <a:p>

--- a/Scraping Project .pptx
+++ b/Scraping Project .pptx
@@ -4543,7 +4543,19 @@
             </a:pPr>
             <a:r>
               <a:rPr lang="en-US" dirty="0" smtClean="0"/>
-              <a:t>The chart below shows the number of unique developers in each category.</a:t>
+              <a:t>The chart below shows the number of unique developers </a:t>
+            </a:r>
+            <a:r>
+              <a:rPr lang="en-US" dirty="0" smtClean="0"/>
+              <a:t>for</a:t>
+            </a:r>
+            <a:r>
+              <a:rPr lang="en-US" dirty="0" smtClean="0"/>
+              <a:t> </a:t>
+            </a:r>
+            <a:r>
+              <a:rPr lang="en-US" dirty="0" smtClean="0"/>
+              <a:t>each category.</a:t>
             </a:r>
           </a:p>
           <a:p>
@@ -4680,19 +4692,7 @@
             </a:pPr>
             <a:r>
               <a:rPr lang="en-US" dirty="0" smtClean="0"/>
-              <a:t>The majority of app developers build apps only </a:t>
-            </a:r>
-            <a:r>
-              <a:rPr lang="en-US" dirty="0" smtClean="0"/>
-              <a:t>for</a:t>
-            </a:r>
-            <a:r>
-              <a:rPr lang="en-US" dirty="0" smtClean="0"/>
-              <a:t> </a:t>
-            </a:r>
-            <a:r>
-              <a:rPr lang="en-US" dirty="0" smtClean="0"/>
-              <a:t>one category (2,251)</a:t>
+              <a:t>The majority of app developers build apps only for one category (2,251)</a:t>
             </a:r>
           </a:p>
           <a:p>

--- a/Scraping Project .pptx
+++ b/Scraping Project .pptx
@@ -4150,7 +4150,15 @@
             </a:pPr>
             <a:r>
               <a:rPr lang="en-US" dirty="0" smtClean="0"/>
-              <a:t>Counter intuitively, $2-3 apps and $4-6 apps have the more aggregated downloads than cheaper </a:t>
+              <a:t>Counter intuitively, $2-3 apps and $4-6 apps have </a:t>
+            </a:r>
+            <a:r>
+              <a:rPr lang="en-US" dirty="0" smtClean="0"/>
+              <a:t>more </a:t>
+            </a:r>
+            <a:r>
+              <a:rPr lang="en-US" dirty="0" smtClean="0"/>
+              <a:t>aggregated downloads than cheaper </a:t>
             </a:r>
             <a:r>
               <a:rPr lang="en-US" dirty="0"/>
@@ -5927,7 +5935,15 @@
             <a:pPr algn="l"/>
             <a:r>
               <a:rPr lang="en-US" dirty="0" smtClean="0"/>
-              <a:t>On average somewhere between 3% and 8% of users who installed an app write reviews in Google Play Store. Users tend to leave more reviews for apps in finance, health &amp; fitness, and business categories.</a:t>
+              <a:t>On average somewhere between 3% and 8% of users who installed an app write reviews in </a:t>
+            </a:r>
+            <a:r>
+              <a:rPr lang="en-US" dirty="0" smtClean="0"/>
+              <a:t>the Google </a:t>
+            </a:r>
+            <a:r>
+              <a:rPr lang="en-US" dirty="0" smtClean="0"/>
+              <a:t>Play Store. Users tend to leave more reviews for apps in finance, health &amp; fitness, and business categories.</a:t>
             </a:r>
             <a:endParaRPr lang="en-US" dirty="0"/>
           </a:p>

--- a/Scraping Project .pptx
+++ b/Scraping Project .pptx
@@ -4150,15 +4150,7 @@
             </a:pPr>
             <a:r>
               <a:rPr lang="en-US" dirty="0" smtClean="0"/>
-              <a:t>Counter intuitively, $2-3 apps and $4-6 apps have </a:t>
-            </a:r>
-            <a:r>
-              <a:rPr lang="en-US" dirty="0" smtClean="0"/>
-              <a:t>more </a:t>
-            </a:r>
-            <a:r>
-              <a:rPr lang="en-US" dirty="0" smtClean="0"/>
-              <a:t>aggregated downloads than cheaper </a:t>
+              <a:t>Counter intuitively, $2-3 apps and $4-6 apps have more aggregated downloads than cheaper </a:t>
             </a:r>
             <a:r>
               <a:rPr lang="en-US" dirty="0"/>
@@ -4446,7 +4438,19 @@
             </a:pPr>
             <a:r>
               <a:rPr lang="en-US" dirty="0"/>
-              <a:t>Surprisingly, it appears that there is no correlation between price and rating as well as between price and whether </a:t>
+              <a:t>Surprisingly, it appears that there is no correlation between price and rating as well as between </a:t>
+            </a:r>
+            <a:r>
+              <a:rPr lang="en-US" dirty="0" smtClean="0"/>
+              <a:t>rating</a:t>
+            </a:r>
+            <a:r>
+              <a:rPr lang="en-US" dirty="0" smtClean="0"/>
+              <a:t> </a:t>
+            </a:r>
+            <a:r>
+              <a:rPr lang="en-US" dirty="0"/>
+              <a:t>and whether </a:t>
             </a:r>
             <a:r>
               <a:rPr lang="en-US" dirty="0" smtClean="0"/>
@@ -5935,15 +5939,7 @@
             <a:pPr algn="l"/>
             <a:r>
               <a:rPr lang="en-US" dirty="0" smtClean="0"/>
-              <a:t>On average somewhere between 3% and 8% of users who installed an app write reviews in </a:t>
-            </a:r>
-            <a:r>
-              <a:rPr lang="en-US" dirty="0" smtClean="0"/>
-              <a:t>the Google </a:t>
-            </a:r>
-            <a:r>
-              <a:rPr lang="en-US" dirty="0" smtClean="0"/>
-              <a:t>Play Store. Users tend to leave more reviews for apps in finance, health &amp; fitness, and business categories.</a:t>
+              <a:t>On average somewhere between 3% and 8% of users who installed an app write reviews in the Google Play Store. Users tend to leave more reviews for apps in finance, health &amp; fitness, and business categories.</a:t>
             </a:r>
             <a:endParaRPr lang="en-US" dirty="0"/>
           </a:p>
